--- a/presentations/sepal_gee_github_dekstop.pptx
+++ b/presentations/sepal_gee_github_dekstop.pptx
@@ -2924,7 +2924,7 @@
         </p:nvSpPr>
         <p:spPr>
           <a:xfrm>
-            <a:off x="5038725" y="1463040"/>
+            <a:off x="5425440" y="942975"/>
             <a:ext cx="1856740" cy="1193165"/>
           </a:xfrm>
           <a:prstGeom prst="cloud">
@@ -2983,7 +2983,7 @@
         </p:nvSpPr>
         <p:spPr>
           <a:xfrm>
-            <a:off x="1290955" y="1027430"/>
+            <a:off x="1677670" y="507365"/>
             <a:ext cx="1856740" cy="1193165"/>
           </a:xfrm>
           <a:prstGeom prst="cloud">
@@ -3024,11 +3024,23 @@
                   <a:schemeClr val="tx1"/>
                 </a:solidFill>
               </a:rPr>
-              <a:t>github.com/openforis </a:t>
+              <a:t>github.com</a:t>
+            </a:r>
+            <a:r>
+              <a:rPr lang="x-none" altLang="en-US">
+                <a:solidFill>
+                  <a:schemeClr val="bg1">
+                    <a:lumMod val="65000"/>
+                  </a:schemeClr>
+                </a:solidFill>
+              </a:rPr>
+              <a:t>/openforis </a:t>
             </a:r>
             <a:endParaRPr lang="x-none" altLang="en-US">
               <a:solidFill>
-                <a:schemeClr val="tx1"/>
+                <a:schemeClr val="bg1">
+                  <a:lumMod val="65000"/>
+                </a:schemeClr>
               </a:solidFill>
             </a:endParaRPr>
           </a:p>
@@ -3037,14 +3049,18 @@
             <a:r>
               <a:rPr lang="x-none" altLang="en-US">
                 <a:solidFill>
-                  <a:schemeClr val="tx1"/>
+                  <a:schemeClr val="bg1">
+                    <a:lumMod val="65000"/>
+                  </a:schemeClr>
                 </a:solidFill>
               </a:rPr>
               <a:t>/lecrabe</a:t>
             </a:r>
             <a:endParaRPr lang="x-none" altLang="en-US">
               <a:solidFill>
-                <a:schemeClr val="tx1"/>
+                <a:schemeClr val="bg1">
+                  <a:lumMod val="65000"/>
+                </a:schemeClr>
               </a:solidFill>
             </a:endParaRPr>
           </a:p>
@@ -3058,7 +3074,7 @@
         </p:nvSpPr>
         <p:spPr>
           <a:xfrm>
-            <a:off x="8964930" y="1102360"/>
+            <a:off x="9351645" y="582295"/>
             <a:ext cx="1856740" cy="1193165"/>
           </a:xfrm>
           <a:prstGeom prst="cloud">
@@ -3094,14 +3110,14 @@
           <a:p>
             <a:pPr algn="ctr"/>
             <a:r>
-              <a:rPr lang="x-none" altLang="en-US">
+              <a:rPr lang="x-none" altLang="en-US" sz="1700">
                 <a:solidFill>
                   <a:schemeClr val="tx1"/>
                 </a:solidFill>
               </a:rPr>
-              <a:t>code.earthengine.</a:t>
-            </a:r>
-            <a:endParaRPr lang="x-none" altLang="en-US">
+              <a:t>code.</a:t>
+            </a:r>
+            <a:endParaRPr lang="x-none" altLang="en-US" sz="1700">
               <a:solidFill>
                 <a:schemeClr val="tx1"/>
               </a:solidFill>
@@ -3110,14 +3126,30 @@
           <a:p>
             <a:pPr algn="ctr"/>
             <a:r>
-              <a:rPr lang="x-none" altLang="en-US">
+              <a:rPr lang="x-none" altLang="en-US" sz="1700">
+                <a:solidFill>
+                  <a:schemeClr val="tx1"/>
+                </a:solidFill>
+              </a:rPr>
+              <a:t>earthengine.</a:t>
+            </a:r>
+            <a:endParaRPr lang="x-none" altLang="en-US" sz="1700">
+              <a:solidFill>
+                <a:schemeClr val="tx1"/>
+              </a:solidFill>
+            </a:endParaRPr>
+          </a:p>
+          <a:p>
+            <a:pPr algn="ctr"/>
+            <a:r>
+              <a:rPr lang="x-none" altLang="en-US" sz="1700">
                 <a:solidFill>
                   <a:schemeClr val="tx1"/>
                 </a:solidFill>
               </a:rPr>
               <a:t>google.com</a:t>
             </a:r>
-            <a:endParaRPr lang="x-none" altLang="en-US">
+            <a:endParaRPr lang="x-none" altLang="en-US" sz="1700">
               <a:solidFill>
                 <a:schemeClr val="tx1"/>
               </a:solidFill>
@@ -3133,7 +3165,7 @@
         </p:nvGrpSpPr>
         <p:grpSpPr>
           <a:xfrm>
-            <a:off x="5248910" y="3971290"/>
+            <a:off x="5635625" y="3451225"/>
             <a:ext cx="1341755" cy="1301750"/>
             <a:chOff x="2609" y="5975"/>
             <a:chExt cx="2113" cy="2050"/>
@@ -3261,7 +3293,7 @@
         </p:nvCxnSpPr>
         <p:spPr>
           <a:xfrm>
-            <a:off x="2592705" y="2600960"/>
+            <a:off x="2979420" y="2080895"/>
             <a:ext cx="2236470" cy="1858010"/>
           </a:xfrm>
           <a:prstGeom prst="straightConnector1">
@@ -3297,7 +3329,7 @@
         </p:nvCxnSpPr>
         <p:spPr>
           <a:xfrm flipH="1" flipV="1">
-            <a:off x="2734945" y="2437765"/>
+            <a:off x="3121660" y="1917700"/>
             <a:ext cx="2271395" cy="1859280"/>
           </a:xfrm>
           <a:prstGeom prst="straightConnector1">
@@ -3333,7 +3365,7 @@
         </p:nvSpPr>
         <p:spPr>
           <a:xfrm>
-            <a:off x="2863850" y="3899535"/>
+            <a:off x="3250565" y="3379470"/>
             <a:ext cx="1722755" cy="914400"/>
           </a:xfrm>
           <a:prstGeom prst="rect">
@@ -3359,10 +3391,22 @@
           <a:p>
             <a:pPr algn="ctr"/>
             <a:r>
-              <a:rPr lang="x-none" altLang="en-US"/>
+              <a:rPr lang="x-none" altLang="en-US">
+                <a:solidFill>
+                  <a:schemeClr val="bg1">
+                    <a:lumMod val="65000"/>
+                  </a:schemeClr>
+                </a:solidFill>
+              </a:rPr>
               <a:t>(Github Desktop)</a:t>
             </a:r>
-            <a:endParaRPr lang="x-none" altLang="en-US"/>
+            <a:endParaRPr lang="x-none" altLang="en-US">
+              <a:solidFill>
+                <a:schemeClr val="bg1">
+                  <a:lumMod val="65000"/>
+                </a:schemeClr>
+              </a:solidFill>
+            </a:endParaRPr>
           </a:p>
           <a:p>
             <a:pPr algn="ctr"/>
@@ -3378,7 +3422,7 @@
         </p:nvSpPr>
         <p:spPr>
           <a:xfrm>
-            <a:off x="3264535" y="2579370"/>
+            <a:off x="3651250" y="2059305"/>
             <a:ext cx="614045" cy="365760"/>
           </a:xfrm>
           <a:prstGeom prst="rect">
@@ -3410,7 +3454,7 @@
         </p:nvCxnSpPr>
         <p:spPr>
           <a:xfrm>
-            <a:off x="3061970" y="1852930"/>
+            <a:off x="3448685" y="1332865"/>
             <a:ext cx="1958340" cy="0"/>
           </a:xfrm>
           <a:prstGeom prst="straightConnector1">
@@ -3446,7 +3490,7 @@
         </p:nvSpPr>
         <p:spPr>
           <a:xfrm>
-            <a:off x="3181350" y="1116330"/>
+            <a:off x="3568065" y="596265"/>
             <a:ext cx="1755140" cy="365760"/>
           </a:xfrm>
           <a:prstGeom prst="rect">
@@ -3464,9 +3508,25 @@
           <a:p>
             <a:r>
               <a:rPr lang="x-none" altLang="en-US"/>
-              <a:t>git pull (terminal)</a:t>
-            </a:r>
-            <a:endParaRPr lang="x-none" altLang="en-US"/>
+              <a:t>git pull </a:t>
+            </a:r>
+            <a:r>
+              <a:rPr lang="x-none" altLang="en-US">
+                <a:solidFill>
+                  <a:schemeClr val="bg1">
+                    <a:lumMod val="65000"/>
+                  </a:schemeClr>
+                </a:solidFill>
+              </a:rPr>
+              <a:t>(terminal)</a:t>
+            </a:r>
+            <a:endParaRPr lang="x-none" altLang="en-US">
+              <a:solidFill>
+                <a:schemeClr val="bg1">
+                  <a:lumMod val="65000"/>
+                </a:schemeClr>
+              </a:solidFill>
+            </a:endParaRPr>
           </a:p>
         </p:txBody>
       </p:sp>
@@ -3478,7 +3538,7 @@
         </p:nvCxnSpPr>
         <p:spPr>
           <a:xfrm flipH="1" flipV="1">
-            <a:off x="5958840" y="2804795"/>
+            <a:off x="6345555" y="2284730"/>
             <a:ext cx="635" cy="962660"/>
           </a:xfrm>
           <a:prstGeom prst="straightConnector1">
@@ -3515,7 +3575,7 @@
         </p:nvSpPr>
         <p:spPr>
           <a:xfrm>
-            <a:off x="5332730" y="3110865"/>
+            <a:off x="5719445" y="2590800"/>
             <a:ext cx="1663700" cy="365760"/>
           </a:xfrm>
           <a:prstGeom prst="rect">
@@ -3547,7 +3607,7 @@
         </p:nvCxnSpPr>
         <p:spPr>
           <a:xfrm>
-            <a:off x="6948805" y="1852930"/>
+            <a:off x="7335520" y="1332865"/>
             <a:ext cx="1885315" cy="14605"/>
           </a:xfrm>
           <a:prstGeom prst="straightConnector1">
@@ -3584,7 +3644,7 @@
         </p:nvSpPr>
         <p:spPr>
           <a:xfrm>
-            <a:off x="7128510" y="792480"/>
+            <a:off x="7515225" y="272415"/>
             <a:ext cx="1333500" cy="640080"/>
           </a:xfrm>
           <a:prstGeom prst="rect">
@@ -3625,7 +3685,7 @@
         </p:nvCxnSpPr>
         <p:spPr>
           <a:xfrm flipV="1">
-            <a:off x="6831330" y="2574290"/>
+            <a:off x="7218045" y="2054225"/>
             <a:ext cx="2282190" cy="1737360"/>
           </a:xfrm>
           <a:prstGeom prst="straightConnector1">
@@ -3662,7 +3722,7 @@
         </p:nvSpPr>
         <p:spPr>
           <a:xfrm>
-            <a:off x="7913370" y="3324860"/>
+            <a:off x="7980045" y="2871470"/>
             <a:ext cx="2235835" cy="914400"/>
           </a:xfrm>
           <a:prstGeom prst="rect">
@@ -3688,18 +3748,42 @@
           <a:p>
             <a:pPr algn="ctr"/>
             <a:r>
-              <a:rPr lang="x-none" altLang="en-US"/>
+              <a:rPr lang="x-none" altLang="en-US">
+                <a:solidFill>
+                  <a:schemeClr val="bg1">
+                    <a:lumMod val="65000"/>
+                  </a:schemeClr>
+                </a:solidFill>
+              </a:rPr>
               <a:t>(upload Fusion Tables)</a:t>
             </a:r>
-            <a:endParaRPr lang="x-none" altLang="en-US"/>
+            <a:endParaRPr lang="x-none" altLang="en-US">
+              <a:solidFill>
+                <a:schemeClr val="bg1">
+                  <a:lumMod val="65000"/>
+                </a:schemeClr>
+              </a:solidFill>
+            </a:endParaRPr>
           </a:p>
           <a:p>
             <a:pPr algn="ctr"/>
             <a:r>
-              <a:rPr lang="x-none" altLang="en-US"/>
+              <a:rPr lang="x-none" altLang="en-US">
+                <a:solidFill>
+                  <a:schemeClr val="bg1">
+                    <a:lumMod val="65000"/>
+                  </a:schemeClr>
+                </a:solidFill>
+              </a:rPr>
               <a:t>(download Results)</a:t>
             </a:r>
-            <a:endParaRPr lang="x-none" altLang="en-US"/>
+            <a:endParaRPr lang="x-none" altLang="en-US">
+              <a:solidFill>
+                <a:schemeClr val="bg1">
+                  <a:lumMod val="65000"/>
+                </a:schemeClr>
+              </a:solidFill>
+            </a:endParaRPr>
           </a:p>
         </p:txBody>
       </p:sp>
@@ -3719,7 +3803,7 @@
         </p:blipFill>
         <p:spPr>
           <a:xfrm>
-            <a:off x="3361055" y="1504315"/>
+            <a:off x="3747770" y="984250"/>
             <a:ext cx="1293495" cy="727710"/>
           </a:xfrm>
           <a:prstGeom prst="rect">
@@ -3748,7 +3832,7 @@
         </p:blipFill>
         <p:spPr>
           <a:xfrm>
-            <a:off x="3159760" y="2863850"/>
+            <a:off x="3546475" y="2343785"/>
             <a:ext cx="1013460" cy="1013460"/>
           </a:xfrm>
           <a:prstGeom prst="rect">
@@ -3772,7 +3856,7 @@
         </p:blipFill>
         <p:spPr>
           <a:xfrm>
-            <a:off x="7445375" y="1417320"/>
+            <a:off x="7832090" y="897255"/>
             <a:ext cx="878840" cy="892175"/>
           </a:xfrm>
           <a:prstGeom prst="rect">
@@ -3788,7 +3872,7 @@
         </p:nvCxnSpPr>
         <p:spPr>
           <a:xfrm flipH="1">
-            <a:off x="224155" y="6136640"/>
+            <a:off x="529590" y="5814060"/>
             <a:ext cx="1085215" cy="0"/>
           </a:xfrm>
           <a:prstGeom prst="straightConnector1">
@@ -3825,7 +3909,7 @@
         </p:nvCxnSpPr>
         <p:spPr>
           <a:xfrm flipH="1">
-            <a:off x="224155" y="6619875"/>
+            <a:off x="504825" y="6253163"/>
             <a:ext cx="1134745" cy="26035"/>
           </a:xfrm>
           <a:prstGeom prst="straightConnector1">
@@ -3862,7 +3946,7 @@
         </p:nvCxnSpPr>
         <p:spPr>
           <a:xfrm>
-            <a:off x="238760" y="5676900"/>
+            <a:off x="558800" y="5360988"/>
             <a:ext cx="1026795" cy="3175"/>
           </a:xfrm>
           <a:prstGeom prst="straightConnector1">
@@ -3896,8 +3980,8 @@
         </p:nvSpPr>
         <p:spPr>
           <a:xfrm>
-            <a:off x="1483360" y="5513070"/>
-            <a:ext cx="2766060" cy="365760"/>
+            <a:off x="1803400" y="5172393"/>
+            <a:ext cx="3542665" cy="380365"/>
           </a:xfrm>
           <a:prstGeom prst="rect">
             <a:avLst/>
@@ -3911,7 +3995,7 @@
           <a:p>
             <a:r>
               <a:rPr lang="x-none" altLang="en-US"/>
-              <a:t>Very small data flux (scripts)</a:t>
+              <a:t>Small data flux	(~kB, eg. scripts)</a:t>
             </a:r>
             <a:endParaRPr lang="x-none" altLang="en-US"/>
           </a:p>
@@ -3925,8 +4009,8 @@
         </p:nvSpPr>
         <p:spPr>
           <a:xfrm>
-            <a:off x="1468755" y="5964555"/>
-            <a:ext cx="2886710" cy="365760"/>
+            <a:off x="1788795" y="5631180"/>
+            <a:ext cx="4187825" cy="380365"/>
           </a:xfrm>
           <a:prstGeom prst="rect">
             <a:avLst/>
@@ -3940,7 +4024,7 @@
           <a:p>
             <a:r>
               <a:rPr lang="x-none" altLang="en-US"/>
-              <a:t>Small data flux (classification)</a:t>
+              <a:t>Medium data flux	(~MB, e.g classification)</a:t>
             </a:r>
             <a:endParaRPr lang="x-none" altLang="en-US"/>
           </a:p>
@@ -3954,8 +4038,8 @@
         </p:nvSpPr>
         <p:spPr>
           <a:xfrm>
-            <a:off x="1468755" y="6416675"/>
-            <a:ext cx="3094355" cy="365760"/>
+            <a:off x="1788795" y="6083300"/>
+            <a:ext cx="4370070" cy="380365"/>
           </a:xfrm>
           <a:prstGeom prst="rect">
             <a:avLst/>
@@ -3969,7 +4053,7 @@
           <a:p>
             <a:r>
               <a:rPr lang="x-none" altLang="en-US"/>
-              <a:t>Large data flux (satellite images)</a:t>
+              <a:t>Large data flux	(~GB, e.g satellite images)</a:t>
             </a:r>
             <a:endParaRPr lang="x-none" altLang="en-US"/>
           </a:p>
